--- a/ppt 16-9/1326.耶和华是我的.pptx
+++ b/ppt 16-9/1326.耶和华是我的.pptx
@@ -129,7 +129,7 @@
           <p:cNvPr id="2" name="标题 1">
             <a:extLst>
               <a:ext uri="{FF2B5EF4-FFF2-40B4-BE49-F238E27FC236}">
-                <a16:creationId xmlns:a16="http://schemas.microsoft.com/office/drawing/2014/main" id="{8B4CFD74-72AD-D7C2-483A-D2F736315A53}"/>
+                <a16:creationId xmlns:a16="http://schemas.microsoft.com/office/drawing/2014/main" id="{EF9F1178-4AE9-B140-D2F8-3E73204042AE}"/>
               </a:ext>
             </a:extLst>
           </p:cNvPr>
@@ -166,7 +166,7 @@
           <p:cNvPr id="3" name="副标题 2">
             <a:extLst>
               <a:ext uri="{FF2B5EF4-FFF2-40B4-BE49-F238E27FC236}">
-                <a16:creationId xmlns:a16="http://schemas.microsoft.com/office/drawing/2014/main" id="{E548C111-D825-B213-2FEC-B6298E97AA64}"/>
+                <a16:creationId xmlns:a16="http://schemas.microsoft.com/office/drawing/2014/main" id="{4AE0A4A4-E1B2-81A6-810B-7F7A68EFA6B1}"/>
               </a:ext>
             </a:extLst>
           </p:cNvPr>
@@ -236,7 +236,7 @@
           <p:cNvPr id="4" name="日期占位符 3">
             <a:extLst>
               <a:ext uri="{FF2B5EF4-FFF2-40B4-BE49-F238E27FC236}">
-                <a16:creationId xmlns:a16="http://schemas.microsoft.com/office/drawing/2014/main" id="{07F1B736-73D0-F242-D7F9-95C55FE50467}"/>
+                <a16:creationId xmlns:a16="http://schemas.microsoft.com/office/drawing/2014/main" id="{5F93A210-1748-7E6E-5A08-25E819E77D2C}"/>
               </a:ext>
             </a:extLst>
           </p:cNvPr>
@@ -252,7 +252,7 @@
           <a:bodyPr/>
           <a:lstStyle/>
           <a:p>
-            <a:fld id="{2257DAC0-9963-423F-86E2-160FCB8ABED9}" type="datetimeFigureOut">
+            <a:fld id="{9494FEA3-EC7D-4112-98C0-7B52C7122C35}" type="datetimeFigureOut">
               <a:rPr lang="zh-CN" altLang="en-US" smtClean="0"/>
               <a:t>2024/3/10</a:t>
             </a:fld>
@@ -265,7 +265,7 @@
           <p:cNvPr id="5" name="页脚占位符 4">
             <a:extLst>
               <a:ext uri="{FF2B5EF4-FFF2-40B4-BE49-F238E27FC236}">
-                <a16:creationId xmlns:a16="http://schemas.microsoft.com/office/drawing/2014/main" id="{CA52AC00-2740-FDFF-E509-DAC66E3A0635}"/>
+                <a16:creationId xmlns:a16="http://schemas.microsoft.com/office/drawing/2014/main" id="{DF05D232-A359-79C2-92B3-24A5F2CC5BCE}"/>
               </a:ext>
             </a:extLst>
           </p:cNvPr>
@@ -290,7 +290,7 @@
           <p:cNvPr id="6" name="灯片编号占位符 5">
             <a:extLst>
               <a:ext uri="{FF2B5EF4-FFF2-40B4-BE49-F238E27FC236}">
-                <a16:creationId xmlns:a16="http://schemas.microsoft.com/office/drawing/2014/main" id="{11147763-A698-01D0-1801-A8485C598122}"/>
+                <a16:creationId xmlns:a16="http://schemas.microsoft.com/office/drawing/2014/main" id="{916D553F-88A3-C845-F80B-BB24FAAA1927}"/>
               </a:ext>
             </a:extLst>
           </p:cNvPr>
@@ -306,7 +306,7 @@
           <a:bodyPr/>
           <a:lstStyle/>
           <a:p>
-            <a:fld id="{BD5E5BC1-FF27-44CF-A4BC-2DD7B31FF98F}" type="slidenum">
+            <a:fld id="{78E7142F-0671-464D-975B-35B69C128AEF}" type="slidenum">
               <a:rPr lang="zh-CN" altLang="en-US" smtClean="0"/>
               <a:t>‹#›</a:t>
             </a:fld>
@@ -317,7 +317,7 @@
     </p:spTree>
     <p:extLst>
       <p:ext uri="{BB962C8B-B14F-4D97-AF65-F5344CB8AC3E}">
-        <p14:creationId xmlns:p14="http://schemas.microsoft.com/office/powerpoint/2010/main" val="2095992408"/>
+        <p14:creationId xmlns:p14="http://schemas.microsoft.com/office/powerpoint/2010/main" val="224578278"/>
       </p:ext>
     </p:extLst>
   </p:cSld>
@@ -349,7 +349,7 @@
           <p:cNvPr id="2" name="标题 1">
             <a:extLst>
               <a:ext uri="{FF2B5EF4-FFF2-40B4-BE49-F238E27FC236}">
-                <a16:creationId xmlns:a16="http://schemas.microsoft.com/office/drawing/2014/main" id="{A762FE1D-DE20-63CF-A5AF-1B8B19785F61}"/>
+                <a16:creationId xmlns:a16="http://schemas.microsoft.com/office/drawing/2014/main" id="{BB844ACD-3C0E-550C-2ED1-33D29CEBE2F8}"/>
               </a:ext>
             </a:extLst>
           </p:cNvPr>
@@ -377,7 +377,7 @@
           <p:cNvPr id="3" name="竖排文字占位符 2">
             <a:extLst>
               <a:ext uri="{FF2B5EF4-FFF2-40B4-BE49-F238E27FC236}">
-                <a16:creationId xmlns:a16="http://schemas.microsoft.com/office/drawing/2014/main" id="{74BC3D9B-6FF3-4931-A6B4-BA798839AEA6}"/>
+                <a16:creationId xmlns:a16="http://schemas.microsoft.com/office/drawing/2014/main" id="{7069E7E5-F42E-6672-D55A-B1A977C965C0}"/>
               </a:ext>
             </a:extLst>
           </p:cNvPr>
@@ -434,7 +434,7 @@
           <p:cNvPr id="4" name="日期占位符 3">
             <a:extLst>
               <a:ext uri="{FF2B5EF4-FFF2-40B4-BE49-F238E27FC236}">
-                <a16:creationId xmlns:a16="http://schemas.microsoft.com/office/drawing/2014/main" id="{C1CC3775-0310-B742-50C1-B5E836ABEB26}"/>
+                <a16:creationId xmlns:a16="http://schemas.microsoft.com/office/drawing/2014/main" id="{16E9BF8F-8355-C2CF-73D3-4C3D60F3F587}"/>
               </a:ext>
             </a:extLst>
           </p:cNvPr>
@@ -450,7 +450,7 @@
           <a:bodyPr/>
           <a:lstStyle/>
           <a:p>
-            <a:fld id="{2257DAC0-9963-423F-86E2-160FCB8ABED9}" type="datetimeFigureOut">
+            <a:fld id="{9494FEA3-EC7D-4112-98C0-7B52C7122C35}" type="datetimeFigureOut">
               <a:rPr lang="zh-CN" altLang="en-US" smtClean="0"/>
               <a:t>2024/3/10</a:t>
             </a:fld>
@@ -463,7 +463,7 @@
           <p:cNvPr id="5" name="页脚占位符 4">
             <a:extLst>
               <a:ext uri="{FF2B5EF4-FFF2-40B4-BE49-F238E27FC236}">
-                <a16:creationId xmlns:a16="http://schemas.microsoft.com/office/drawing/2014/main" id="{C4C7459A-C268-0F13-3695-986DD4CDE7C3}"/>
+                <a16:creationId xmlns:a16="http://schemas.microsoft.com/office/drawing/2014/main" id="{4485F0DD-11D4-3514-1E92-F5ECBAF91E9F}"/>
               </a:ext>
             </a:extLst>
           </p:cNvPr>
@@ -488,7 +488,7 @@
           <p:cNvPr id="6" name="灯片编号占位符 5">
             <a:extLst>
               <a:ext uri="{FF2B5EF4-FFF2-40B4-BE49-F238E27FC236}">
-                <a16:creationId xmlns:a16="http://schemas.microsoft.com/office/drawing/2014/main" id="{60B06993-5206-7555-25A3-6AAD85703CF9}"/>
+                <a16:creationId xmlns:a16="http://schemas.microsoft.com/office/drawing/2014/main" id="{E15CA072-2BF1-620C-D4C9-B9E478CC4C9F}"/>
               </a:ext>
             </a:extLst>
           </p:cNvPr>
@@ -504,7 +504,7 @@
           <a:bodyPr/>
           <a:lstStyle/>
           <a:p>
-            <a:fld id="{BD5E5BC1-FF27-44CF-A4BC-2DD7B31FF98F}" type="slidenum">
+            <a:fld id="{78E7142F-0671-464D-975B-35B69C128AEF}" type="slidenum">
               <a:rPr lang="zh-CN" altLang="en-US" smtClean="0"/>
               <a:t>‹#›</a:t>
             </a:fld>
@@ -515,7 +515,7 @@
     </p:spTree>
     <p:extLst>
       <p:ext uri="{BB962C8B-B14F-4D97-AF65-F5344CB8AC3E}">
-        <p14:creationId xmlns:p14="http://schemas.microsoft.com/office/powerpoint/2010/main" val="584216132"/>
+        <p14:creationId xmlns:p14="http://schemas.microsoft.com/office/powerpoint/2010/main" val="590784130"/>
       </p:ext>
     </p:extLst>
   </p:cSld>
@@ -547,7 +547,7 @@
           <p:cNvPr id="2" name="竖排标题 1">
             <a:extLst>
               <a:ext uri="{FF2B5EF4-FFF2-40B4-BE49-F238E27FC236}">
-                <a16:creationId xmlns:a16="http://schemas.microsoft.com/office/drawing/2014/main" id="{1370C521-F231-2FA3-EEF2-7F22EC5F2E76}"/>
+                <a16:creationId xmlns:a16="http://schemas.microsoft.com/office/drawing/2014/main" id="{4A4D98C0-59AA-40D1-2A28-4AB5D1FCD0B3}"/>
               </a:ext>
             </a:extLst>
           </p:cNvPr>
@@ -580,7 +580,7 @@
           <p:cNvPr id="3" name="竖排文字占位符 2">
             <a:extLst>
               <a:ext uri="{FF2B5EF4-FFF2-40B4-BE49-F238E27FC236}">
-                <a16:creationId xmlns:a16="http://schemas.microsoft.com/office/drawing/2014/main" id="{EC7E9E06-53F6-874E-71BF-F31F935EAF23}"/>
+                <a16:creationId xmlns:a16="http://schemas.microsoft.com/office/drawing/2014/main" id="{AA15A895-8E99-D381-91B1-ED9B85488400}"/>
               </a:ext>
             </a:extLst>
           </p:cNvPr>
@@ -642,7 +642,7 @@
           <p:cNvPr id="4" name="日期占位符 3">
             <a:extLst>
               <a:ext uri="{FF2B5EF4-FFF2-40B4-BE49-F238E27FC236}">
-                <a16:creationId xmlns:a16="http://schemas.microsoft.com/office/drawing/2014/main" id="{DCD87393-7D49-71BD-98AE-34FAAE40779E}"/>
+                <a16:creationId xmlns:a16="http://schemas.microsoft.com/office/drawing/2014/main" id="{8E271F57-25B6-061B-21C3-EC1BF2BFD6D1}"/>
               </a:ext>
             </a:extLst>
           </p:cNvPr>
@@ -658,7 +658,7 @@
           <a:bodyPr/>
           <a:lstStyle/>
           <a:p>
-            <a:fld id="{2257DAC0-9963-423F-86E2-160FCB8ABED9}" type="datetimeFigureOut">
+            <a:fld id="{9494FEA3-EC7D-4112-98C0-7B52C7122C35}" type="datetimeFigureOut">
               <a:rPr lang="zh-CN" altLang="en-US" smtClean="0"/>
               <a:t>2024/3/10</a:t>
             </a:fld>
@@ -671,7 +671,7 @@
           <p:cNvPr id="5" name="页脚占位符 4">
             <a:extLst>
               <a:ext uri="{FF2B5EF4-FFF2-40B4-BE49-F238E27FC236}">
-                <a16:creationId xmlns:a16="http://schemas.microsoft.com/office/drawing/2014/main" id="{56EAF99C-BF15-232F-A31D-82E4BAE7A3AB}"/>
+                <a16:creationId xmlns:a16="http://schemas.microsoft.com/office/drawing/2014/main" id="{EB463F5F-C40B-CFA5-D117-5651544A712D}"/>
               </a:ext>
             </a:extLst>
           </p:cNvPr>
@@ -696,7 +696,7 @@
           <p:cNvPr id="6" name="灯片编号占位符 5">
             <a:extLst>
               <a:ext uri="{FF2B5EF4-FFF2-40B4-BE49-F238E27FC236}">
-                <a16:creationId xmlns:a16="http://schemas.microsoft.com/office/drawing/2014/main" id="{BF64251B-B1D2-13FB-264C-5573F5BD3F32}"/>
+                <a16:creationId xmlns:a16="http://schemas.microsoft.com/office/drawing/2014/main" id="{3F6AE743-E47C-4372-C661-B7C46013B91E}"/>
               </a:ext>
             </a:extLst>
           </p:cNvPr>
@@ -712,7 +712,7 @@
           <a:bodyPr/>
           <a:lstStyle/>
           <a:p>
-            <a:fld id="{BD5E5BC1-FF27-44CF-A4BC-2DD7B31FF98F}" type="slidenum">
+            <a:fld id="{78E7142F-0671-464D-975B-35B69C128AEF}" type="slidenum">
               <a:rPr lang="zh-CN" altLang="en-US" smtClean="0"/>
               <a:t>‹#›</a:t>
             </a:fld>
@@ -723,7 +723,7 @@
     </p:spTree>
     <p:extLst>
       <p:ext uri="{BB962C8B-B14F-4D97-AF65-F5344CB8AC3E}">
-        <p14:creationId xmlns:p14="http://schemas.microsoft.com/office/powerpoint/2010/main" val="4150260452"/>
+        <p14:creationId xmlns:p14="http://schemas.microsoft.com/office/powerpoint/2010/main" val="1802510964"/>
       </p:ext>
     </p:extLst>
   </p:cSld>
@@ -755,7 +755,7 @@
           <p:cNvPr id="2" name="标题 1">
             <a:extLst>
               <a:ext uri="{FF2B5EF4-FFF2-40B4-BE49-F238E27FC236}">
-                <a16:creationId xmlns:a16="http://schemas.microsoft.com/office/drawing/2014/main" id="{C25A3D45-CD4A-9F9B-D2C2-2E41E280CEA5}"/>
+                <a16:creationId xmlns:a16="http://schemas.microsoft.com/office/drawing/2014/main" id="{FB27ACDE-B85A-6704-CEE9-A438FE62328B}"/>
               </a:ext>
             </a:extLst>
           </p:cNvPr>
@@ -783,7 +783,7 @@
           <p:cNvPr id="3" name="内容占位符 2">
             <a:extLst>
               <a:ext uri="{FF2B5EF4-FFF2-40B4-BE49-F238E27FC236}">
-                <a16:creationId xmlns:a16="http://schemas.microsoft.com/office/drawing/2014/main" id="{83DF7FC6-6E96-ABFB-6B56-E9188F3A7B0A}"/>
+                <a16:creationId xmlns:a16="http://schemas.microsoft.com/office/drawing/2014/main" id="{C5FC2FF4-C136-BD31-9FFD-A08EEFEBB424}"/>
               </a:ext>
             </a:extLst>
           </p:cNvPr>
@@ -840,7 +840,7 @@
           <p:cNvPr id="4" name="日期占位符 3">
             <a:extLst>
               <a:ext uri="{FF2B5EF4-FFF2-40B4-BE49-F238E27FC236}">
-                <a16:creationId xmlns:a16="http://schemas.microsoft.com/office/drawing/2014/main" id="{DBE85057-1DA9-789A-E7D4-E187D9E92B60}"/>
+                <a16:creationId xmlns:a16="http://schemas.microsoft.com/office/drawing/2014/main" id="{AB4219AB-DCCF-42CC-4A85-63BC5A5D3740}"/>
               </a:ext>
             </a:extLst>
           </p:cNvPr>
@@ -856,7 +856,7 @@
           <a:bodyPr/>
           <a:lstStyle/>
           <a:p>
-            <a:fld id="{2257DAC0-9963-423F-86E2-160FCB8ABED9}" type="datetimeFigureOut">
+            <a:fld id="{9494FEA3-EC7D-4112-98C0-7B52C7122C35}" type="datetimeFigureOut">
               <a:rPr lang="zh-CN" altLang="en-US" smtClean="0"/>
               <a:t>2024/3/10</a:t>
             </a:fld>
@@ -869,7 +869,7 @@
           <p:cNvPr id="5" name="页脚占位符 4">
             <a:extLst>
               <a:ext uri="{FF2B5EF4-FFF2-40B4-BE49-F238E27FC236}">
-                <a16:creationId xmlns:a16="http://schemas.microsoft.com/office/drawing/2014/main" id="{EDAA56E4-86E1-6F2E-00BB-D34DD7D63897}"/>
+                <a16:creationId xmlns:a16="http://schemas.microsoft.com/office/drawing/2014/main" id="{EEE0033B-0B2B-A1DD-779A-9862F19187EC}"/>
               </a:ext>
             </a:extLst>
           </p:cNvPr>
@@ -894,7 +894,7 @@
           <p:cNvPr id="6" name="灯片编号占位符 5">
             <a:extLst>
               <a:ext uri="{FF2B5EF4-FFF2-40B4-BE49-F238E27FC236}">
-                <a16:creationId xmlns:a16="http://schemas.microsoft.com/office/drawing/2014/main" id="{1A459A1F-7127-3E72-0ED3-CE6BD677980C}"/>
+                <a16:creationId xmlns:a16="http://schemas.microsoft.com/office/drawing/2014/main" id="{FDBD9057-E167-EF5D-63A2-98480D2903C6}"/>
               </a:ext>
             </a:extLst>
           </p:cNvPr>
@@ -910,7 +910,7 @@
           <a:bodyPr/>
           <a:lstStyle/>
           <a:p>
-            <a:fld id="{BD5E5BC1-FF27-44CF-A4BC-2DD7B31FF98F}" type="slidenum">
+            <a:fld id="{78E7142F-0671-464D-975B-35B69C128AEF}" type="slidenum">
               <a:rPr lang="zh-CN" altLang="en-US" smtClean="0"/>
               <a:t>‹#›</a:t>
             </a:fld>
@@ -921,7 +921,7 @@
     </p:spTree>
     <p:extLst>
       <p:ext uri="{BB962C8B-B14F-4D97-AF65-F5344CB8AC3E}">
-        <p14:creationId xmlns:p14="http://schemas.microsoft.com/office/powerpoint/2010/main" val="2754999041"/>
+        <p14:creationId xmlns:p14="http://schemas.microsoft.com/office/powerpoint/2010/main" val="3276083759"/>
       </p:ext>
     </p:extLst>
   </p:cSld>
@@ -953,7 +953,7 @@
           <p:cNvPr id="2" name="标题 1">
             <a:extLst>
               <a:ext uri="{FF2B5EF4-FFF2-40B4-BE49-F238E27FC236}">
-                <a16:creationId xmlns:a16="http://schemas.microsoft.com/office/drawing/2014/main" id="{66545893-9AA5-990E-80A8-116A99915ABB}"/>
+                <a16:creationId xmlns:a16="http://schemas.microsoft.com/office/drawing/2014/main" id="{DDCE5E42-5A9C-3665-1C66-2E01C22AB600}"/>
               </a:ext>
             </a:extLst>
           </p:cNvPr>
@@ -990,7 +990,7 @@
           <p:cNvPr id="3" name="文本占位符 2">
             <a:extLst>
               <a:ext uri="{FF2B5EF4-FFF2-40B4-BE49-F238E27FC236}">
-                <a16:creationId xmlns:a16="http://schemas.microsoft.com/office/drawing/2014/main" id="{48E82037-97A1-B0ED-AC0E-BE2175CE90A2}"/>
+                <a16:creationId xmlns:a16="http://schemas.microsoft.com/office/drawing/2014/main" id="{9D4BBF59-D0F0-FE0B-4DFB-F8C6D5EB3A53}"/>
               </a:ext>
             </a:extLst>
           </p:cNvPr>
@@ -1115,7 +1115,7 @@
           <p:cNvPr id="4" name="日期占位符 3">
             <a:extLst>
               <a:ext uri="{FF2B5EF4-FFF2-40B4-BE49-F238E27FC236}">
-                <a16:creationId xmlns:a16="http://schemas.microsoft.com/office/drawing/2014/main" id="{754332D8-A78A-1D6E-CD80-B3A1EABDDCF5}"/>
+                <a16:creationId xmlns:a16="http://schemas.microsoft.com/office/drawing/2014/main" id="{90CB311E-2831-62B6-0AB3-096A9BA7486B}"/>
               </a:ext>
             </a:extLst>
           </p:cNvPr>
@@ -1131,7 +1131,7 @@
           <a:bodyPr/>
           <a:lstStyle/>
           <a:p>
-            <a:fld id="{2257DAC0-9963-423F-86E2-160FCB8ABED9}" type="datetimeFigureOut">
+            <a:fld id="{9494FEA3-EC7D-4112-98C0-7B52C7122C35}" type="datetimeFigureOut">
               <a:rPr lang="zh-CN" altLang="en-US" smtClean="0"/>
               <a:t>2024/3/10</a:t>
             </a:fld>
@@ -1144,7 +1144,7 @@
           <p:cNvPr id="5" name="页脚占位符 4">
             <a:extLst>
               <a:ext uri="{FF2B5EF4-FFF2-40B4-BE49-F238E27FC236}">
-                <a16:creationId xmlns:a16="http://schemas.microsoft.com/office/drawing/2014/main" id="{BBA22B66-D7F2-86CF-2F4E-A9305FC6D627}"/>
+                <a16:creationId xmlns:a16="http://schemas.microsoft.com/office/drawing/2014/main" id="{D0A6A817-5215-32F6-D09F-B8E32DE7A876}"/>
               </a:ext>
             </a:extLst>
           </p:cNvPr>
@@ -1169,7 +1169,7 @@
           <p:cNvPr id="6" name="灯片编号占位符 5">
             <a:extLst>
               <a:ext uri="{FF2B5EF4-FFF2-40B4-BE49-F238E27FC236}">
-                <a16:creationId xmlns:a16="http://schemas.microsoft.com/office/drawing/2014/main" id="{0581428B-3ABD-327F-0442-1F92965735DE}"/>
+                <a16:creationId xmlns:a16="http://schemas.microsoft.com/office/drawing/2014/main" id="{CF051CE0-AC66-F8C2-7C3D-638DC6E9D6D5}"/>
               </a:ext>
             </a:extLst>
           </p:cNvPr>
@@ -1185,7 +1185,7 @@
           <a:bodyPr/>
           <a:lstStyle/>
           <a:p>
-            <a:fld id="{BD5E5BC1-FF27-44CF-A4BC-2DD7B31FF98F}" type="slidenum">
+            <a:fld id="{78E7142F-0671-464D-975B-35B69C128AEF}" type="slidenum">
               <a:rPr lang="zh-CN" altLang="en-US" smtClean="0"/>
               <a:t>‹#›</a:t>
             </a:fld>
@@ -1196,7 +1196,7 @@
     </p:spTree>
     <p:extLst>
       <p:ext uri="{BB962C8B-B14F-4D97-AF65-F5344CB8AC3E}">
-        <p14:creationId xmlns:p14="http://schemas.microsoft.com/office/powerpoint/2010/main" val="4066954203"/>
+        <p14:creationId xmlns:p14="http://schemas.microsoft.com/office/powerpoint/2010/main" val="2280950944"/>
       </p:ext>
     </p:extLst>
   </p:cSld>
@@ -1228,7 +1228,7 @@
           <p:cNvPr id="2" name="标题 1">
             <a:extLst>
               <a:ext uri="{FF2B5EF4-FFF2-40B4-BE49-F238E27FC236}">
-                <a16:creationId xmlns:a16="http://schemas.microsoft.com/office/drawing/2014/main" id="{21BAEA48-C58F-A48A-58BD-71F1E571DD73}"/>
+                <a16:creationId xmlns:a16="http://schemas.microsoft.com/office/drawing/2014/main" id="{63908433-3B8D-57CC-C28D-DF3BA7635ACD}"/>
               </a:ext>
             </a:extLst>
           </p:cNvPr>
@@ -1256,7 +1256,7 @@
           <p:cNvPr id="3" name="内容占位符 2">
             <a:extLst>
               <a:ext uri="{FF2B5EF4-FFF2-40B4-BE49-F238E27FC236}">
-                <a16:creationId xmlns:a16="http://schemas.microsoft.com/office/drawing/2014/main" id="{2C77FCD7-2508-50D6-2A86-2956B9BA7CC2}"/>
+                <a16:creationId xmlns:a16="http://schemas.microsoft.com/office/drawing/2014/main" id="{A3D750AE-8CAF-38F9-9D78-ADB553F94228}"/>
               </a:ext>
             </a:extLst>
           </p:cNvPr>
@@ -1318,7 +1318,7 @@
           <p:cNvPr id="4" name="内容占位符 3">
             <a:extLst>
               <a:ext uri="{FF2B5EF4-FFF2-40B4-BE49-F238E27FC236}">
-                <a16:creationId xmlns:a16="http://schemas.microsoft.com/office/drawing/2014/main" id="{068E75EC-5EF0-5C14-4E34-E777EFD197B0}"/>
+                <a16:creationId xmlns:a16="http://schemas.microsoft.com/office/drawing/2014/main" id="{AF035E90-7A00-3A81-2ABB-F468A52E1A78}"/>
               </a:ext>
             </a:extLst>
           </p:cNvPr>
@@ -1380,7 +1380,7 @@
           <p:cNvPr id="5" name="日期占位符 4">
             <a:extLst>
               <a:ext uri="{FF2B5EF4-FFF2-40B4-BE49-F238E27FC236}">
-                <a16:creationId xmlns:a16="http://schemas.microsoft.com/office/drawing/2014/main" id="{28EE9C16-955D-C525-9157-8FB1626C9DD8}"/>
+                <a16:creationId xmlns:a16="http://schemas.microsoft.com/office/drawing/2014/main" id="{7FA58AA9-6F46-4BAF-8B89-A53FE0895A3A}"/>
               </a:ext>
             </a:extLst>
           </p:cNvPr>
@@ -1396,7 +1396,7 @@
           <a:bodyPr/>
           <a:lstStyle/>
           <a:p>
-            <a:fld id="{2257DAC0-9963-423F-86E2-160FCB8ABED9}" type="datetimeFigureOut">
+            <a:fld id="{9494FEA3-EC7D-4112-98C0-7B52C7122C35}" type="datetimeFigureOut">
               <a:rPr lang="zh-CN" altLang="en-US" smtClean="0"/>
               <a:t>2024/3/10</a:t>
             </a:fld>
@@ -1409,7 +1409,7 @@
           <p:cNvPr id="6" name="页脚占位符 5">
             <a:extLst>
               <a:ext uri="{FF2B5EF4-FFF2-40B4-BE49-F238E27FC236}">
-                <a16:creationId xmlns:a16="http://schemas.microsoft.com/office/drawing/2014/main" id="{733288C0-CB67-5518-7382-D764CCDBDDFC}"/>
+                <a16:creationId xmlns:a16="http://schemas.microsoft.com/office/drawing/2014/main" id="{0B984E54-28EF-D819-2BD7-2F860E8A2402}"/>
               </a:ext>
             </a:extLst>
           </p:cNvPr>
@@ -1434,7 +1434,7 @@
           <p:cNvPr id="7" name="灯片编号占位符 6">
             <a:extLst>
               <a:ext uri="{FF2B5EF4-FFF2-40B4-BE49-F238E27FC236}">
-                <a16:creationId xmlns:a16="http://schemas.microsoft.com/office/drawing/2014/main" id="{90AC4971-CA14-DFC5-8B8D-77FE58941250}"/>
+                <a16:creationId xmlns:a16="http://schemas.microsoft.com/office/drawing/2014/main" id="{93D0FFB7-7E06-3D80-1F19-0BD88DF10BEB}"/>
               </a:ext>
             </a:extLst>
           </p:cNvPr>
@@ -1450,7 +1450,7 @@
           <a:bodyPr/>
           <a:lstStyle/>
           <a:p>
-            <a:fld id="{BD5E5BC1-FF27-44CF-A4BC-2DD7B31FF98F}" type="slidenum">
+            <a:fld id="{78E7142F-0671-464D-975B-35B69C128AEF}" type="slidenum">
               <a:rPr lang="zh-CN" altLang="en-US" smtClean="0"/>
               <a:t>‹#›</a:t>
             </a:fld>
@@ -1461,7 +1461,7 @@
     </p:spTree>
     <p:extLst>
       <p:ext uri="{BB962C8B-B14F-4D97-AF65-F5344CB8AC3E}">
-        <p14:creationId xmlns:p14="http://schemas.microsoft.com/office/powerpoint/2010/main" val="559775358"/>
+        <p14:creationId xmlns:p14="http://schemas.microsoft.com/office/powerpoint/2010/main" val="3511524347"/>
       </p:ext>
     </p:extLst>
   </p:cSld>
@@ -1493,7 +1493,7 @@
           <p:cNvPr id="2" name="标题 1">
             <a:extLst>
               <a:ext uri="{FF2B5EF4-FFF2-40B4-BE49-F238E27FC236}">
-                <a16:creationId xmlns:a16="http://schemas.microsoft.com/office/drawing/2014/main" id="{BE37E530-BD81-66E0-76B6-B995D0A51929}"/>
+                <a16:creationId xmlns:a16="http://schemas.microsoft.com/office/drawing/2014/main" id="{CBACFD12-FB78-D53B-4FC1-214EB4CB9C34}"/>
               </a:ext>
             </a:extLst>
           </p:cNvPr>
@@ -1526,7 +1526,7 @@
           <p:cNvPr id="3" name="文本占位符 2">
             <a:extLst>
               <a:ext uri="{FF2B5EF4-FFF2-40B4-BE49-F238E27FC236}">
-                <a16:creationId xmlns:a16="http://schemas.microsoft.com/office/drawing/2014/main" id="{86070469-3856-1EB6-B354-27B72609216B}"/>
+                <a16:creationId xmlns:a16="http://schemas.microsoft.com/office/drawing/2014/main" id="{91161868-E5AF-B57A-7875-0D1789D4204B}"/>
               </a:ext>
             </a:extLst>
           </p:cNvPr>
@@ -1597,7 +1597,7 @@
           <p:cNvPr id="4" name="内容占位符 3">
             <a:extLst>
               <a:ext uri="{FF2B5EF4-FFF2-40B4-BE49-F238E27FC236}">
-                <a16:creationId xmlns:a16="http://schemas.microsoft.com/office/drawing/2014/main" id="{34AE6BAE-06E5-BE18-1CCA-D52FA6B593B1}"/>
+                <a16:creationId xmlns:a16="http://schemas.microsoft.com/office/drawing/2014/main" id="{B79BE842-3A37-125E-7476-BF87410C3023}"/>
               </a:ext>
             </a:extLst>
           </p:cNvPr>
@@ -1659,7 +1659,7 @@
           <p:cNvPr id="5" name="文本占位符 4">
             <a:extLst>
               <a:ext uri="{FF2B5EF4-FFF2-40B4-BE49-F238E27FC236}">
-                <a16:creationId xmlns:a16="http://schemas.microsoft.com/office/drawing/2014/main" id="{AC59EBC4-6C0F-1F19-0CB2-64815126FF51}"/>
+                <a16:creationId xmlns:a16="http://schemas.microsoft.com/office/drawing/2014/main" id="{501266CF-8C09-7ED1-1A56-536A8A95AE64}"/>
               </a:ext>
             </a:extLst>
           </p:cNvPr>
@@ -1730,7 +1730,7 @@
           <p:cNvPr id="6" name="内容占位符 5">
             <a:extLst>
               <a:ext uri="{FF2B5EF4-FFF2-40B4-BE49-F238E27FC236}">
-                <a16:creationId xmlns:a16="http://schemas.microsoft.com/office/drawing/2014/main" id="{B6D7EB86-9A54-00DB-1FF4-27AE3654AA81}"/>
+                <a16:creationId xmlns:a16="http://schemas.microsoft.com/office/drawing/2014/main" id="{A021EDAE-041B-8032-CF8D-A9448705BC25}"/>
               </a:ext>
             </a:extLst>
           </p:cNvPr>
@@ -1792,7 +1792,7 @@
           <p:cNvPr id="7" name="日期占位符 6">
             <a:extLst>
               <a:ext uri="{FF2B5EF4-FFF2-40B4-BE49-F238E27FC236}">
-                <a16:creationId xmlns:a16="http://schemas.microsoft.com/office/drawing/2014/main" id="{EE4F204E-0782-60DB-94A8-EAF6A6CD32A6}"/>
+                <a16:creationId xmlns:a16="http://schemas.microsoft.com/office/drawing/2014/main" id="{E0D79D5C-CC8E-1220-B222-72C94DC7C43B}"/>
               </a:ext>
             </a:extLst>
           </p:cNvPr>
@@ -1808,7 +1808,7 @@
           <a:bodyPr/>
           <a:lstStyle/>
           <a:p>
-            <a:fld id="{2257DAC0-9963-423F-86E2-160FCB8ABED9}" type="datetimeFigureOut">
+            <a:fld id="{9494FEA3-EC7D-4112-98C0-7B52C7122C35}" type="datetimeFigureOut">
               <a:rPr lang="zh-CN" altLang="en-US" smtClean="0"/>
               <a:t>2024/3/10</a:t>
             </a:fld>
@@ -1821,7 +1821,7 @@
           <p:cNvPr id="8" name="页脚占位符 7">
             <a:extLst>
               <a:ext uri="{FF2B5EF4-FFF2-40B4-BE49-F238E27FC236}">
-                <a16:creationId xmlns:a16="http://schemas.microsoft.com/office/drawing/2014/main" id="{4A5883FE-C25D-5223-F1C8-B44063BEA8F2}"/>
+                <a16:creationId xmlns:a16="http://schemas.microsoft.com/office/drawing/2014/main" id="{842BAF57-E404-73AE-1031-912750DC79F7}"/>
               </a:ext>
             </a:extLst>
           </p:cNvPr>
@@ -1846,7 +1846,7 @@
           <p:cNvPr id="9" name="灯片编号占位符 8">
             <a:extLst>
               <a:ext uri="{FF2B5EF4-FFF2-40B4-BE49-F238E27FC236}">
-                <a16:creationId xmlns:a16="http://schemas.microsoft.com/office/drawing/2014/main" id="{FFF3FE69-9314-25E1-30EC-02EDEDB8C605}"/>
+                <a16:creationId xmlns:a16="http://schemas.microsoft.com/office/drawing/2014/main" id="{204BDD6F-0DCC-E98E-85F0-AB2917A7D4B5}"/>
               </a:ext>
             </a:extLst>
           </p:cNvPr>
@@ -1862,7 +1862,7 @@
           <a:bodyPr/>
           <a:lstStyle/>
           <a:p>
-            <a:fld id="{BD5E5BC1-FF27-44CF-A4BC-2DD7B31FF98F}" type="slidenum">
+            <a:fld id="{78E7142F-0671-464D-975B-35B69C128AEF}" type="slidenum">
               <a:rPr lang="zh-CN" altLang="en-US" smtClean="0"/>
               <a:t>‹#›</a:t>
             </a:fld>
@@ -1873,7 +1873,7 @@
     </p:spTree>
     <p:extLst>
       <p:ext uri="{BB962C8B-B14F-4D97-AF65-F5344CB8AC3E}">
-        <p14:creationId xmlns:p14="http://schemas.microsoft.com/office/powerpoint/2010/main" val="2962843664"/>
+        <p14:creationId xmlns:p14="http://schemas.microsoft.com/office/powerpoint/2010/main" val="3957879848"/>
       </p:ext>
     </p:extLst>
   </p:cSld>
@@ -1905,7 +1905,7 @@
           <p:cNvPr id="2" name="标题 1">
             <a:extLst>
               <a:ext uri="{FF2B5EF4-FFF2-40B4-BE49-F238E27FC236}">
-                <a16:creationId xmlns:a16="http://schemas.microsoft.com/office/drawing/2014/main" id="{511A0924-E5C3-BC2E-1B7D-4A7756FCC17B}"/>
+                <a16:creationId xmlns:a16="http://schemas.microsoft.com/office/drawing/2014/main" id="{B64A8058-6F24-D92C-1311-12DEEF15F30C}"/>
               </a:ext>
             </a:extLst>
           </p:cNvPr>
@@ -1933,7 +1933,7 @@
           <p:cNvPr id="3" name="日期占位符 2">
             <a:extLst>
               <a:ext uri="{FF2B5EF4-FFF2-40B4-BE49-F238E27FC236}">
-                <a16:creationId xmlns:a16="http://schemas.microsoft.com/office/drawing/2014/main" id="{76A9563D-810B-C3B0-9385-0F3995E3555F}"/>
+                <a16:creationId xmlns:a16="http://schemas.microsoft.com/office/drawing/2014/main" id="{D02E8AD1-6881-1D35-0D6B-7AF017B6F026}"/>
               </a:ext>
             </a:extLst>
           </p:cNvPr>
@@ -1949,7 +1949,7 @@
           <a:bodyPr/>
           <a:lstStyle/>
           <a:p>
-            <a:fld id="{2257DAC0-9963-423F-86E2-160FCB8ABED9}" type="datetimeFigureOut">
+            <a:fld id="{9494FEA3-EC7D-4112-98C0-7B52C7122C35}" type="datetimeFigureOut">
               <a:rPr lang="zh-CN" altLang="en-US" smtClean="0"/>
               <a:t>2024/3/10</a:t>
             </a:fld>
@@ -1962,7 +1962,7 @@
           <p:cNvPr id="4" name="页脚占位符 3">
             <a:extLst>
               <a:ext uri="{FF2B5EF4-FFF2-40B4-BE49-F238E27FC236}">
-                <a16:creationId xmlns:a16="http://schemas.microsoft.com/office/drawing/2014/main" id="{759E7F23-D3A7-5971-6891-CB70CADB038E}"/>
+                <a16:creationId xmlns:a16="http://schemas.microsoft.com/office/drawing/2014/main" id="{6E431F7D-59E9-D61D-5A8F-22FF588417AD}"/>
               </a:ext>
             </a:extLst>
           </p:cNvPr>
@@ -1987,7 +1987,7 @@
           <p:cNvPr id="5" name="灯片编号占位符 4">
             <a:extLst>
               <a:ext uri="{FF2B5EF4-FFF2-40B4-BE49-F238E27FC236}">
-                <a16:creationId xmlns:a16="http://schemas.microsoft.com/office/drawing/2014/main" id="{09701554-D1D6-B7B7-08E7-9B10FD4A8A73}"/>
+                <a16:creationId xmlns:a16="http://schemas.microsoft.com/office/drawing/2014/main" id="{24EDCB2B-6C5E-AB13-0AD2-D729992A4648}"/>
               </a:ext>
             </a:extLst>
           </p:cNvPr>
@@ -2003,7 +2003,7 @@
           <a:bodyPr/>
           <a:lstStyle/>
           <a:p>
-            <a:fld id="{BD5E5BC1-FF27-44CF-A4BC-2DD7B31FF98F}" type="slidenum">
+            <a:fld id="{78E7142F-0671-464D-975B-35B69C128AEF}" type="slidenum">
               <a:rPr lang="zh-CN" altLang="en-US" smtClean="0"/>
               <a:t>‹#›</a:t>
             </a:fld>
@@ -2014,7 +2014,7 @@
     </p:spTree>
     <p:extLst>
       <p:ext uri="{BB962C8B-B14F-4D97-AF65-F5344CB8AC3E}">
-        <p14:creationId xmlns:p14="http://schemas.microsoft.com/office/powerpoint/2010/main" val="1472627059"/>
+        <p14:creationId xmlns:p14="http://schemas.microsoft.com/office/powerpoint/2010/main" val="3566433406"/>
       </p:ext>
     </p:extLst>
   </p:cSld>
@@ -2046,7 +2046,7 @@
           <p:cNvPr id="2" name="日期占位符 1">
             <a:extLst>
               <a:ext uri="{FF2B5EF4-FFF2-40B4-BE49-F238E27FC236}">
-                <a16:creationId xmlns:a16="http://schemas.microsoft.com/office/drawing/2014/main" id="{FB97DFE5-9A57-C40F-B1A9-7C0A204402A6}"/>
+                <a16:creationId xmlns:a16="http://schemas.microsoft.com/office/drawing/2014/main" id="{96D454E4-A81C-B9DD-538D-A3D841ECD5C8}"/>
               </a:ext>
             </a:extLst>
           </p:cNvPr>
@@ -2062,7 +2062,7 @@
           <a:bodyPr/>
           <a:lstStyle/>
           <a:p>
-            <a:fld id="{2257DAC0-9963-423F-86E2-160FCB8ABED9}" type="datetimeFigureOut">
+            <a:fld id="{9494FEA3-EC7D-4112-98C0-7B52C7122C35}" type="datetimeFigureOut">
               <a:rPr lang="zh-CN" altLang="en-US" smtClean="0"/>
               <a:t>2024/3/10</a:t>
             </a:fld>
@@ -2075,7 +2075,7 @@
           <p:cNvPr id="3" name="页脚占位符 2">
             <a:extLst>
               <a:ext uri="{FF2B5EF4-FFF2-40B4-BE49-F238E27FC236}">
-                <a16:creationId xmlns:a16="http://schemas.microsoft.com/office/drawing/2014/main" id="{5F5642E3-391D-92DD-5CB3-E18B4B6A929C}"/>
+                <a16:creationId xmlns:a16="http://schemas.microsoft.com/office/drawing/2014/main" id="{DB53B5EB-5C99-8857-76CF-62B0585E2709}"/>
               </a:ext>
             </a:extLst>
           </p:cNvPr>
@@ -2100,7 +2100,7 @@
           <p:cNvPr id="4" name="灯片编号占位符 3">
             <a:extLst>
               <a:ext uri="{FF2B5EF4-FFF2-40B4-BE49-F238E27FC236}">
-                <a16:creationId xmlns:a16="http://schemas.microsoft.com/office/drawing/2014/main" id="{CAD1865F-2635-C472-1A13-BF81E49C5D40}"/>
+                <a16:creationId xmlns:a16="http://schemas.microsoft.com/office/drawing/2014/main" id="{366AC69F-3A8C-79BF-F535-1F2EA9C94CE2}"/>
               </a:ext>
             </a:extLst>
           </p:cNvPr>
@@ -2116,7 +2116,7 @@
           <a:bodyPr/>
           <a:lstStyle/>
           <a:p>
-            <a:fld id="{BD5E5BC1-FF27-44CF-A4BC-2DD7B31FF98F}" type="slidenum">
+            <a:fld id="{78E7142F-0671-464D-975B-35B69C128AEF}" type="slidenum">
               <a:rPr lang="zh-CN" altLang="en-US" smtClean="0"/>
               <a:t>‹#›</a:t>
             </a:fld>
@@ -2127,7 +2127,7 @@
     </p:spTree>
     <p:extLst>
       <p:ext uri="{BB962C8B-B14F-4D97-AF65-F5344CB8AC3E}">
-        <p14:creationId xmlns:p14="http://schemas.microsoft.com/office/powerpoint/2010/main" val="200200175"/>
+        <p14:creationId xmlns:p14="http://schemas.microsoft.com/office/powerpoint/2010/main" val="1671733507"/>
       </p:ext>
     </p:extLst>
   </p:cSld>
@@ -2159,7 +2159,7 @@
           <p:cNvPr id="2" name="标题 1">
             <a:extLst>
               <a:ext uri="{FF2B5EF4-FFF2-40B4-BE49-F238E27FC236}">
-                <a16:creationId xmlns:a16="http://schemas.microsoft.com/office/drawing/2014/main" id="{1DF5BADC-1FCF-FF07-9F71-7527FBA8DE5E}"/>
+                <a16:creationId xmlns:a16="http://schemas.microsoft.com/office/drawing/2014/main" id="{9FDC8674-8717-B770-C45A-AB68051B5252}"/>
               </a:ext>
             </a:extLst>
           </p:cNvPr>
@@ -2196,7 +2196,7 @@
           <p:cNvPr id="3" name="内容占位符 2">
             <a:extLst>
               <a:ext uri="{FF2B5EF4-FFF2-40B4-BE49-F238E27FC236}">
-                <a16:creationId xmlns:a16="http://schemas.microsoft.com/office/drawing/2014/main" id="{3382637C-A405-73A0-B733-0E5746117B2F}"/>
+                <a16:creationId xmlns:a16="http://schemas.microsoft.com/office/drawing/2014/main" id="{7EFD97D6-0998-0ABE-1DB6-C01A76B520A3}"/>
               </a:ext>
             </a:extLst>
           </p:cNvPr>
@@ -2286,7 +2286,7 @@
           <p:cNvPr id="4" name="文本占位符 3">
             <a:extLst>
               <a:ext uri="{FF2B5EF4-FFF2-40B4-BE49-F238E27FC236}">
-                <a16:creationId xmlns:a16="http://schemas.microsoft.com/office/drawing/2014/main" id="{1CE923CE-AC5B-264D-A437-F0DFC0F1D847}"/>
+                <a16:creationId xmlns:a16="http://schemas.microsoft.com/office/drawing/2014/main" id="{2F89D918-266F-B246-9E0A-046EDADE9EB6}"/>
               </a:ext>
             </a:extLst>
           </p:cNvPr>
@@ -2357,7 +2357,7 @@
           <p:cNvPr id="5" name="日期占位符 4">
             <a:extLst>
               <a:ext uri="{FF2B5EF4-FFF2-40B4-BE49-F238E27FC236}">
-                <a16:creationId xmlns:a16="http://schemas.microsoft.com/office/drawing/2014/main" id="{CF8241BE-DA1F-875D-6898-3D7FAD1E830F}"/>
+                <a16:creationId xmlns:a16="http://schemas.microsoft.com/office/drawing/2014/main" id="{18AAAAD1-548E-ED6C-2550-144038358CFD}"/>
               </a:ext>
             </a:extLst>
           </p:cNvPr>
@@ -2373,7 +2373,7 @@
           <a:bodyPr/>
           <a:lstStyle/>
           <a:p>
-            <a:fld id="{2257DAC0-9963-423F-86E2-160FCB8ABED9}" type="datetimeFigureOut">
+            <a:fld id="{9494FEA3-EC7D-4112-98C0-7B52C7122C35}" type="datetimeFigureOut">
               <a:rPr lang="zh-CN" altLang="en-US" smtClean="0"/>
               <a:t>2024/3/10</a:t>
             </a:fld>
@@ -2386,7 +2386,7 @@
           <p:cNvPr id="6" name="页脚占位符 5">
             <a:extLst>
               <a:ext uri="{FF2B5EF4-FFF2-40B4-BE49-F238E27FC236}">
-                <a16:creationId xmlns:a16="http://schemas.microsoft.com/office/drawing/2014/main" id="{56A4B18D-E2AC-3026-6580-B0D91A5C475D}"/>
+                <a16:creationId xmlns:a16="http://schemas.microsoft.com/office/drawing/2014/main" id="{F4B5BAD0-468E-D36A-AF35-02342B65D69D}"/>
               </a:ext>
             </a:extLst>
           </p:cNvPr>
@@ -2411,7 +2411,7 @@
           <p:cNvPr id="7" name="灯片编号占位符 6">
             <a:extLst>
               <a:ext uri="{FF2B5EF4-FFF2-40B4-BE49-F238E27FC236}">
-                <a16:creationId xmlns:a16="http://schemas.microsoft.com/office/drawing/2014/main" id="{7D55E4FB-898F-1C5B-ABBD-E11EA07A0C63}"/>
+                <a16:creationId xmlns:a16="http://schemas.microsoft.com/office/drawing/2014/main" id="{A11E120A-9649-852B-0129-88486C915378}"/>
               </a:ext>
             </a:extLst>
           </p:cNvPr>
@@ -2427,7 +2427,7 @@
           <a:bodyPr/>
           <a:lstStyle/>
           <a:p>
-            <a:fld id="{BD5E5BC1-FF27-44CF-A4BC-2DD7B31FF98F}" type="slidenum">
+            <a:fld id="{78E7142F-0671-464D-975B-35B69C128AEF}" type="slidenum">
               <a:rPr lang="zh-CN" altLang="en-US" smtClean="0"/>
               <a:t>‹#›</a:t>
             </a:fld>
@@ -2438,7 +2438,7 @@
     </p:spTree>
     <p:extLst>
       <p:ext uri="{BB962C8B-B14F-4D97-AF65-F5344CB8AC3E}">
-        <p14:creationId xmlns:p14="http://schemas.microsoft.com/office/powerpoint/2010/main" val="3579942634"/>
+        <p14:creationId xmlns:p14="http://schemas.microsoft.com/office/powerpoint/2010/main" val="921209607"/>
       </p:ext>
     </p:extLst>
   </p:cSld>
@@ -2470,7 +2470,7 @@
           <p:cNvPr id="2" name="标题 1">
             <a:extLst>
               <a:ext uri="{FF2B5EF4-FFF2-40B4-BE49-F238E27FC236}">
-                <a16:creationId xmlns:a16="http://schemas.microsoft.com/office/drawing/2014/main" id="{9EFDF5F4-1800-5084-1583-AB50290D3819}"/>
+                <a16:creationId xmlns:a16="http://schemas.microsoft.com/office/drawing/2014/main" id="{41CBEDCA-E350-A2E6-629F-954402CA5F80}"/>
               </a:ext>
             </a:extLst>
           </p:cNvPr>
@@ -2507,7 +2507,7 @@
           <p:cNvPr id="3" name="图片占位符 2">
             <a:extLst>
               <a:ext uri="{FF2B5EF4-FFF2-40B4-BE49-F238E27FC236}">
-                <a16:creationId xmlns:a16="http://schemas.microsoft.com/office/drawing/2014/main" id="{C219399D-360B-07F9-D64E-DD34598CDE9C}"/>
+                <a16:creationId xmlns:a16="http://schemas.microsoft.com/office/drawing/2014/main" id="{A715CCE1-65FC-747D-F729-C36B6AA190FA}"/>
               </a:ext>
             </a:extLst>
           </p:cNvPr>
@@ -2574,7 +2574,7 @@
           <p:cNvPr id="4" name="文本占位符 3">
             <a:extLst>
               <a:ext uri="{FF2B5EF4-FFF2-40B4-BE49-F238E27FC236}">
-                <a16:creationId xmlns:a16="http://schemas.microsoft.com/office/drawing/2014/main" id="{08F51F1F-95BC-1AA8-17BC-B82AFD32AFAD}"/>
+                <a16:creationId xmlns:a16="http://schemas.microsoft.com/office/drawing/2014/main" id="{8CA87837-7B9C-106F-0210-D8F7A1FA78FB}"/>
               </a:ext>
             </a:extLst>
           </p:cNvPr>
@@ -2645,7 +2645,7 @@
           <p:cNvPr id="5" name="日期占位符 4">
             <a:extLst>
               <a:ext uri="{FF2B5EF4-FFF2-40B4-BE49-F238E27FC236}">
-                <a16:creationId xmlns:a16="http://schemas.microsoft.com/office/drawing/2014/main" id="{6D012555-AD08-2DA9-7972-8B9F02E9E8E9}"/>
+                <a16:creationId xmlns:a16="http://schemas.microsoft.com/office/drawing/2014/main" id="{2746DFF2-039B-1EA8-8F79-DBC75E6E6DEB}"/>
               </a:ext>
             </a:extLst>
           </p:cNvPr>
@@ -2661,7 +2661,7 @@
           <a:bodyPr/>
           <a:lstStyle/>
           <a:p>
-            <a:fld id="{2257DAC0-9963-423F-86E2-160FCB8ABED9}" type="datetimeFigureOut">
+            <a:fld id="{9494FEA3-EC7D-4112-98C0-7B52C7122C35}" type="datetimeFigureOut">
               <a:rPr lang="zh-CN" altLang="en-US" smtClean="0"/>
               <a:t>2024/3/10</a:t>
             </a:fld>
@@ -2674,7 +2674,7 @@
           <p:cNvPr id="6" name="页脚占位符 5">
             <a:extLst>
               <a:ext uri="{FF2B5EF4-FFF2-40B4-BE49-F238E27FC236}">
-                <a16:creationId xmlns:a16="http://schemas.microsoft.com/office/drawing/2014/main" id="{4AF99B62-CD36-B20A-631E-9E5F49C8695E}"/>
+                <a16:creationId xmlns:a16="http://schemas.microsoft.com/office/drawing/2014/main" id="{A128D4E5-8E59-69BA-DD04-E475F4F0F2DD}"/>
               </a:ext>
             </a:extLst>
           </p:cNvPr>
@@ -2699,7 +2699,7 @@
           <p:cNvPr id="7" name="灯片编号占位符 6">
             <a:extLst>
               <a:ext uri="{FF2B5EF4-FFF2-40B4-BE49-F238E27FC236}">
-                <a16:creationId xmlns:a16="http://schemas.microsoft.com/office/drawing/2014/main" id="{02B9E264-C946-F79F-3E2D-7897616D2D22}"/>
+                <a16:creationId xmlns:a16="http://schemas.microsoft.com/office/drawing/2014/main" id="{4E04034C-48ED-7EF5-B494-7E623E72A609}"/>
               </a:ext>
             </a:extLst>
           </p:cNvPr>
@@ -2715,7 +2715,7 @@
           <a:bodyPr/>
           <a:lstStyle/>
           <a:p>
-            <a:fld id="{BD5E5BC1-FF27-44CF-A4BC-2DD7B31FF98F}" type="slidenum">
+            <a:fld id="{78E7142F-0671-464D-975B-35B69C128AEF}" type="slidenum">
               <a:rPr lang="zh-CN" altLang="en-US" smtClean="0"/>
               <a:t>‹#›</a:t>
             </a:fld>
@@ -2726,7 +2726,7 @@
     </p:spTree>
     <p:extLst>
       <p:ext uri="{BB962C8B-B14F-4D97-AF65-F5344CB8AC3E}">
-        <p14:creationId xmlns:p14="http://schemas.microsoft.com/office/powerpoint/2010/main" val="1962563336"/>
+        <p14:creationId xmlns:p14="http://schemas.microsoft.com/office/powerpoint/2010/main" val="2220040732"/>
       </p:ext>
     </p:extLst>
   </p:cSld>
@@ -2763,7 +2763,7 @@
           <p:cNvPr id="2" name="标题占位符 1">
             <a:extLst>
               <a:ext uri="{FF2B5EF4-FFF2-40B4-BE49-F238E27FC236}">
-                <a16:creationId xmlns:a16="http://schemas.microsoft.com/office/drawing/2014/main" id="{53B07795-9652-0B6C-86AA-F61438640F58}"/>
+                <a16:creationId xmlns:a16="http://schemas.microsoft.com/office/drawing/2014/main" id="{A4EF1702-8EC1-A367-C6EA-0990F4FD3F48}"/>
               </a:ext>
             </a:extLst>
           </p:cNvPr>
@@ -2801,7 +2801,7 @@
           <p:cNvPr id="3" name="文本占位符 2">
             <a:extLst>
               <a:ext uri="{FF2B5EF4-FFF2-40B4-BE49-F238E27FC236}">
-                <a16:creationId xmlns:a16="http://schemas.microsoft.com/office/drawing/2014/main" id="{E5C2F630-C203-024A-C8D8-105D4EDD55D4}"/>
+                <a16:creationId xmlns:a16="http://schemas.microsoft.com/office/drawing/2014/main" id="{618A352F-9169-5398-8A08-7A7A5DA8B944}"/>
               </a:ext>
             </a:extLst>
           </p:cNvPr>
@@ -2868,7 +2868,7 @@
           <p:cNvPr id="4" name="日期占位符 3">
             <a:extLst>
               <a:ext uri="{FF2B5EF4-FFF2-40B4-BE49-F238E27FC236}">
-                <a16:creationId xmlns:a16="http://schemas.microsoft.com/office/drawing/2014/main" id="{B1AD6E95-D9A6-F348-62D3-163C8D060C5E}"/>
+                <a16:creationId xmlns:a16="http://schemas.microsoft.com/office/drawing/2014/main" id="{6056B633-4ADF-4D1A-154D-EB0F12D75177}"/>
               </a:ext>
             </a:extLst>
           </p:cNvPr>
@@ -2902,7 +2902,7 @@
             </a:lvl1pPr>
           </a:lstStyle>
           <a:p>
-            <a:fld id="{2257DAC0-9963-423F-86E2-160FCB8ABED9}" type="datetimeFigureOut">
+            <a:fld id="{9494FEA3-EC7D-4112-98C0-7B52C7122C35}" type="datetimeFigureOut">
               <a:rPr lang="zh-CN" altLang="en-US" smtClean="0"/>
               <a:t>2024/3/10</a:t>
             </a:fld>
@@ -2915,7 +2915,7 @@
           <p:cNvPr id="5" name="页脚占位符 4">
             <a:extLst>
               <a:ext uri="{FF2B5EF4-FFF2-40B4-BE49-F238E27FC236}">
-                <a16:creationId xmlns:a16="http://schemas.microsoft.com/office/drawing/2014/main" id="{966E00A1-B62B-E53F-61CF-8ED5811F5002}"/>
+                <a16:creationId xmlns:a16="http://schemas.microsoft.com/office/drawing/2014/main" id="{0F7F0F26-26E2-EEC3-2707-6D106DA2397B}"/>
               </a:ext>
             </a:extLst>
           </p:cNvPr>
@@ -2958,7 +2958,7 @@
           <p:cNvPr id="6" name="灯片编号占位符 5">
             <a:extLst>
               <a:ext uri="{FF2B5EF4-FFF2-40B4-BE49-F238E27FC236}">
-                <a16:creationId xmlns:a16="http://schemas.microsoft.com/office/drawing/2014/main" id="{7C9E4429-6A71-98D4-BE4D-FDD838B0FB9F}"/>
+                <a16:creationId xmlns:a16="http://schemas.microsoft.com/office/drawing/2014/main" id="{BC43EF34-AEF5-5B8F-3D66-A131A097F5B7}"/>
               </a:ext>
             </a:extLst>
           </p:cNvPr>
@@ -2992,7 +2992,7 @@
             </a:lvl1pPr>
           </a:lstStyle>
           <a:p>
-            <a:fld id="{BD5E5BC1-FF27-44CF-A4BC-2DD7B31FF98F}" type="slidenum">
+            <a:fld id="{78E7142F-0671-464D-975B-35B69C128AEF}" type="slidenum">
               <a:rPr lang="zh-CN" altLang="en-US" smtClean="0"/>
               <a:t>‹#›</a:t>
             </a:fld>
@@ -3003,7 +3003,7 @@
     </p:spTree>
     <p:extLst>
       <p:ext uri="{BB962C8B-B14F-4D97-AF65-F5344CB8AC3E}">
-        <p14:creationId xmlns:p14="http://schemas.microsoft.com/office/powerpoint/2010/main" val="3895176476"/>
+        <p14:creationId xmlns:p14="http://schemas.microsoft.com/office/powerpoint/2010/main" val="542448082"/>
       </p:ext>
     </p:extLst>
   </p:cSld>
